--- a/Disused code/Misc/DLM_DFO/Lectures/3 Customizing DLMtool/L3b Custom performance metrics.pptx
+++ b/Disused code/Misc/DLM_DFO/Lectures/3 Customizing DLMtool/L3b Custom performance metrics.pptx
@@ -167,6 +167,10 @@
 </p:presentation>
 </file>
 
+<file path=ppt/revisionInfo.xml><?xml version="1.0" encoding="utf-8"?>
+<p1510:revInfo xmlns:a="http://schemas.openxmlformats.org/drawingml/2006/main" xmlns:r="http://schemas.openxmlformats.org/officeDocument/2006/relationships" xmlns:p1510="http://schemas.microsoft.com/office/powerpoint/2015/10/main"/>
+</file>
+
 <file path=ppt/notesMasters/notesMaster1.xml><?xml version="1.0" encoding="utf-8"?>
 <p:notesMaster xmlns:a="http://schemas.openxmlformats.org/drawingml/2006/main" xmlns:r="http://schemas.openxmlformats.org/officeDocument/2006/relationships" xmlns:p="http://schemas.openxmlformats.org/presentationml/2006/main">
   <p:cSld>
@@ -265,7 +269,7 @@
               <a:pPr>
                 <a:defRPr/>
               </a:pPr>
-              <a:t>2017-10-20</a:t>
+              <a:t>2017-10-31</a:t>
             </a:fld>
             <a:endParaRPr lang="en-CA"/>
           </a:p>
@@ -330,35 +334,35 @@
           <a:p>
             <a:pPr lvl="0"/>
             <a:r>
-              <a:rPr lang="en-US" noProof="0" smtClean="0"/>
+              <a:rPr lang="en-US" noProof="0"/>
               <a:t>Click to edit Master text styles</a:t>
             </a:r>
           </a:p>
           <a:p>
             <a:pPr lvl="1"/>
             <a:r>
-              <a:rPr lang="en-US" noProof="0" smtClean="0"/>
+              <a:rPr lang="en-US" noProof="0"/>
               <a:t>Second level</a:t>
             </a:r>
           </a:p>
           <a:p>
             <a:pPr lvl="2"/>
             <a:r>
-              <a:rPr lang="en-US" noProof="0" smtClean="0"/>
+              <a:rPr lang="en-US" noProof="0"/>
               <a:t>Third level</a:t>
             </a:r>
           </a:p>
           <a:p>
             <a:pPr lvl="3"/>
             <a:r>
-              <a:rPr lang="en-US" noProof="0" smtClean="0"/>
+              <a:rPr lang="en-US" noProof="0"/>
               <a:t>Fourth level</a:t>
             </a:r>
           </a:p>
           <a:p>
             <a:pPr lvl="4"/>
             <a:r>
-              <a:rPr lang="en-US" noProof="0" smtClean="0"/>
+              <a:rPr lang="en-US" noProof="0"/>
               <a:t>Fifth level</a:t>
             </a:r>
             <a:endParaRPr lang="en-CA" noProof="0"/>
@@ -650,7 +654,7 @@
           </a:lstStyle>
           <a:p>
             <a:r>
-              <a:rPr lang="en-US" smtClean="0"/>
+              <a:rPr lang="en-US"/>
               <a:t>Click to edit Master title style</a:t>
             </a:r>
             <a:endParaRPr lang="en-US" dirty="0"/>
@@ -746,7 +750,7 @@
           </a:lstStyle>
           <a:p>
             <a:r>
-              <a:rPr lang="en-US" smtClean="0"/>
+              <a:rPr lang="en-US"/>
               <a:t>Click to edit Master subtitle style</a:t>
             </a:r>
             <a:endParaRPr lang="en-US" dirty="0"/>
@@ -780,7 +784,7 @@
               <a:pPr>
                 <a:defRPr/>
               </a:pPr>
-              <a:t>10/20/2017</a:t>
+              <a:t>10/31/2017</a:t>
             </a:fld>
             <a:endParaRPr lang="en-US" dirty="0"/>
           </a:p>
@@ -959,7 +963,7 @@
           </a:lstStyle>
           <a:p>
             <a:r>
-              <a:rPr lang="en-US" smtClean="0"/>
+              <a:rPr lang="en-US"/>
               <a:t>Click to edit Master title style</a:t>
             </a:r>
             <a:endParaRPr lang="en-US" dirty="0"/>
@@ -1027,7 +1031,7 @@
           <a:p>
             <a:pPr lvl="0"/>
             <a:r>
-              <a:rPr lang="en-US" noProof="0" smtClean="0"/>
+              <a:rPr lang="en-US" noProof="0"/>
               <a:t>Click icon to add picture</a:t>
             </a:r>
             <a:endParaRPr lang="en-US" noProof="0" dirty="0"/>
@@ -1117,7 +1121,7 @@
           <a:p>
             <a:pPr lvl="0"/>
             <a:r>
-              <a:rPr lang="en-US" smtClean="0"/>
+              <a:rPr lang="en-US"/>
               <a:t>Click to edit Master text styles</a:t>
             </a:r>
           </a:p>
@@ -1150,7 +1154,7 @@
               <a:pPr>
                 <a:defRPr/>
               </a:pPr>
-              <a:t>10/20/2017</a:t>
+              <a:t>10/31/2017</a:t>
             </a:fld>
             <a:endParaRPr lang="en-US" dirty="0"/>
           </a:p>
@@ -1329,7 +1333,7 @@
           </a:lstStyle>
           <a:p>
             <a:r>
-              <a:rPr lang="en-US" smtClean="0"/>
+              <a:rPr lang="en-US"/>
               <a:t>Click to edit Master title style</a:t>
             </a:r>
             <a:endParaRPr lang="en-US" dirty="0"/>
@@ -1395,7 +1399,7 @@
           <a:p>
             <a:pPr lvl="0"/>
             <a:r>
-              <a:rPr lang="en-US" smtClean="0"/>
+              <a:rPr lang="en-US"/>
               <a:t>Click to edit Master text styles</a:t>
             </a:r>
           </a:p>
@@ -1428,7 +1432,7 @@
               <a:pPr>
                 <a:defRPr/>
               </a:pPr>
-              <a:t>10/20/2017</a:t>
+              <a:t>10/31/2017</a:t>
             </a:fld>
             <a:endParaRPr lang="en-US" dirty="0"/>
           </a:p>
@@ -1849,7 +1853,7 @@
           </a:lstStyle>
           <a:p>
             <a:r>
-              <a:rPr lang="en-US" smtClean="0"/>
+              <a:rPr lang="en-US"/>
               <a:t>Click to edit Master title style</a:t>
             </a:r>
             <a:endParaRPr lang="en-US" dirty="0"/>
@@ -1917,7 +1921,7 @@
           <a:p>
             <a:pPr lvl="0"/>
             <a:r>
-              <a:rPr lang="en-US" smtClean="0"/>
+              <a:rPr lang="en-US"/>
               <a:t>Click to edit Master text styles</a:t>
             </a:r>
           </a:p>
@@ -1984,7 +1988,7 @@
           <a:p>
             <a:pPr lvl="0"/>
             <a:r>
-              <a:rPr lang="en-US" smtClean="0"/>
+              <a:rPr lang="en-US"/>
               <a:t>Click to edit Master text styles</a:t>
             </a:r>
           </a:p>
@@ -2017,7 +2021,7 @@
               <a:pPr>
                 <a:defRPr/>
               </a:pPr>
-              <a:t>10/20/2017</a:t>
+              <a:t>10/31/2017</a:t>
             </a:fld>
             <a:endParaRPr lang="en-US" dirty="0"/>
           </a:p>
@@ -2198,7 +2202,7 @@
           </a:lstStyle>
           <a:p>
             <a:r>
-              <a:rPr lang="en-US" smtClean="0"/>
+              <a:rPr lang="en-US"/>
               <a:t>Click to edit Master title style</a:t>
             </a:r>
             <a:endParaRPr lang="en-US" dirty="0"/>
@@ -2264,7 +2268,7 @@
           <a:p>
             <a:pPr lvl="0"/>
             <a:r>
-              <a:rPr lang="en-US" smtClean="0"/>
+              <a:rPr lang="en-US"/>
               <a:t>Click to edit Master text styles</a:t>
             </a:r>
           </a:p>
@@ -2297,7 +2301,7 @@
               <a:pPr>
                 <a:defRPr/>
               </a:pPr>
-              <a:t>10/20/2017</a:t>
+              <a:t>10/31/2017</a:t>
             </a:fld>
             <a:endParaRPr lang="en-US" dirty="0"/>
           </a:p>
@@ -2472,7 +2476,7 @@
           <a:lstStyle/>
           <a:p>
             <a:r>
-              <a:rPr lang="en-US" smtClean="0"/>
+              <a:rPr lang="en-US"/>
               <a:t>Click to edit Master title style</a:t>
             </a:r>
             <a:endParaRPr lang="en-US" dirty="0"/>
@@ -2567,7 +2571,7 @@
           <a:p>
             <a:pPr lvl="0"/>
             <a:r>
-              <a:rPr lang="en-US" smtClean="0"/>
+              <a:rPr lang="en-US"/>
               <a:t>Click to edit Master text styles</a:t>
             </a:r>
           </a:p>
@@ -2634,7 +2638,7 @@
           <a:p>
             <a:pPr lvl="0"/>
             <a:r>
-              <a:rPr lang="en-US" smtClean="0"/>
+              <a:rPr lang="en-US"/>
               <a:t>Click to edit Master text styles</a:t>
             </a:r>
           </a:p>
@@ -2696,7 +2700,7 @@
           <a:p>
             <a:pPr lvl="0"/>
             <a:r>
-              <a:rPr lang="en-US" smtClean="0"/>
+              <a:rPr lang="en-US"/>
               <a:t>Click to edit Master text styles</a:t>
             </a:r>
           </a:p>
@@ -2763,7 +2767,7 @@
           <a:p>
             <a:pPr lvl="0"/>
             <a:r>
-              <a:rPr lang="en-US" smtClean="0"/>
+              <a:rPr lang="en-US"/>
               <a:t>Click to edit Master text styles</a:t>
             </a:r>
           </a:p>
@@ -2825,7 +2829,7 @@
           <a:p>
             <a:pPr lvl="0"/>
             <a:r>
-              <a:rPr lang="en-US" smtClean="0"/>
+              <a:rPr lang="en-US"/>
               <a:t>Click to edit Master text styles</a:t>
             </a:r>
           </a:p>
@@ -2892,7 +2896,7 @@
           <a:p>
             <a:pPr lvl="0"/>
             <a:r>
-              <a:rPr lang="en-US" smtClean="0"/>
+              <a:rPr lang="en-US"/>
               <a:t>Click to edit Master text styles</a:t>
             </a:r>
           </a:p>
@@ -2925,7 +2929,7 @@
               <a:pPr>
                 <a:defRPr/>
               </a:pPr>
-              <a:t>10/20/2017</a:t>
+              <a:t>10/31/2017</a:t>
             </a:fld>
             <a:endParaRPr lang="en-US" dirty="0"/>
           </a:p>
@@ -3100,7 +3104,7 @@
           <a:lstStyle/>
           <a:p>
             <a:r>
-              <a:rPr lang="en-US" smtClean="0"/>
+              <a:rPr lang="en-US"/>
               <a:t>Click to edit Master title style</a:t>
             </a:r>
             <a:endParaRPr lang="en-US" dirty="0"/>
@@ -3191,7 +3195,7 @@
           <a:p>
             <a:pPr lvl="0"/>
             <a:r>
-              <a:rPr lang="en-US" smtClean="0"/>
+              <a:rPr lang="en-US"/>
               <a:t>Click to edit Master text styles</a:t>
             </a:r>
           </a:p>
@@ -3270,7 +3274,7 @@
           <a:p>
             <a:pPr lvl="0"/>
             <a:r>
-              <a:rPr lang="en-US" noProof="0" smtClean="0"/>
+              <a:rPr lang="en-US" noProof="0"/>
               <a:t>Click icon to add picture</a:t>
             </a:r>
             <a:endParaRPr lang="en-US" noProof="0" dirty="0"/>
@@ -3338,7 +3342,7 @@
           <a:p>
             <a:pPr lvl="0"/>
             <a:r>
-              <a:rPr lang="en-US" smtClean="0"/>
+              <a:rPr lang="en-US"/>
               <a:t>Click to edit Master text styles</a:t>
             </a:r>
           </a:p>
@@ -3428,7 +3432,7 @@
           <a:p>
             <a:pPr lvl="0"/>
             <a:r>
-              <a:rPr lang="en-US" smtClean="0"/>
+              <a:rPr lang="en-US"/>
               <a:t>Click to edit Master text styles</a:t>
             </a:r>
           </a:p>
@@ -3507,7 +3511,7 @@
           <a:p>
             <a:pPr lvl="0"/>
             <a:r>
-              <a:rPr lang="en-US" noProof="0" smtClean="0"/>
+              <a:rPr lang="en-US" noProof="0"/>
               <a:t>Click icon to add picture</a:t>
             </a:r>
             <a:endParaRPr lang="en-US" noProof="0" dirty="0"/>
@@ -3575,7 +3579,7 @@
           <a:p>
             <a:pPr lvl="0"/>
             <a:r>
-              <a:rPr lang="en-US" smtClean="0"/>
+              <a:rPr lang="en-US"/>
               <a:t>Click to edit Master text styles</a:t>
             </a:r>
           </a:p>
@@ -3665,7 +3669,7 @@
           <a:p>
             <a:pPr lvl="0"/>
             <a:r>
-              <a:rPr lang="en-US" smtClean="0"/>
+              <a:rPr lang="en-US"/>
               <a:t>Click to edit Master text styles</a:t>
             </a:r>
           </a:p>
@@ -3744,7 +3748,7 @@
           <a:p>
             <a:pPr lvl="0"/>
             <a:r>
-              <a:rPr lang="en-US" noProof="0" smtClean="0"/>
+              <a:rPr lang="en-US" noProof="0"/>
               <a:t>Click icon to add picture</a:t>
             </a:r>
             <a:endParaRPr lang="en-US" noProof="0" dirty="0"/>
@@ -3812,7 +3816,7 @@
           <a:p>
             <a:pPr lvl="0"/>
             <a:r>
-              <a:rPr lang="en-US" smtClean="0"/>
+              <a:rPr lang="en-US"/>
               <a:t>Click to edit Master text styles</a:t>
             </a:r>
           </a:p>
@@ -3845,7 +3849,7 @@
               <a:pPr>
                 <a:defRPr/>
               </a:pPr>
-              <a:t>10/20/2017</a:t>
+              <a:t>10/31/2017</a:t>
             </a:fld>
             <a:endParaRPr lang="en-US" dirty="0"/>
           </a:p>
@@ -4015,7 +4019,7 @@
           <a:lstStyle/>
           <a:p>
             <a:r>
-              <a:rPr lang="en-US" smtClean="0"/>
+              <a:rPr lang="en-US"/>
               <a:t>Click to edit Master title style</a:t>
             </a:r>
             <a:endParaRPr lang="en-US" dirty="0"/>
@@ -4039,35 +4043,35 @@
           <a:p>
             <a:pPr lvl="0"/>
             <a:r>
-              <a:rPr lang="en-US" smtClean="0"/>
+              <a:rPr lang="en-US"/>
               <a:t>Click to edit Master text styles</a:t>
             </a:r>
           </a:p>
           <a:p>
             <a:pPr lvl="1"/>
             <a:r>
-              <a:rPr lang="en-US" smtClean="0"/>
+              <a:rPr lang="en-US"/>
               <a:t>Second level</a:t>
             </a:r>
           </a:p>
           <a:p>
             <a:pPr lvl="2"/>
             <a:r>
-              <a:rPr lang="en-US" smtClean="0"/>
+              <a:rPr lang="en-US"/>
               <a:t>Third level</a:t>
             </a:r>
           </a:p>
           <a:p>
             <a:pPr lvl="3"/>
             <a:r>
-              <a:rPr lang="en-US" smtClean="0"/>
+              <a:rPr lang="en-US"/>
               <a:t>Fourth level</a:t>
             </a:r>
           </a:p>
           <a:p>
             <a:pPr lvl="4"/>
             <a:r>
-              <a:rPr lang="en-US" smtClean="0"/>
+              <a:rPr lang="en-US"/>
               <a:t>Fifth level</a:t>
             </a:r>
             <a:endParaRPr lang="en-US" dirty="0"/>
@@ -4101,7 +4105,7 @@
               <a:pPr>
                 <a:defRPr/>
               </a:pPr>
-              <a:t>10/20/2017</a:t>
+              <a:t>10/31/2017</a:t>
             </a:fld>
             <a:endParaRPr lang="en-US" dirty="0"/>
           </a:p>
@@ -4276,7 +4280,7 @@
           <a:lstStyle/>
           <a:p>
             <a:r>
-              <a:rPr lang="en-US" smtClean="0"/>
+              <a:rPr lang="en-US"/>
               <a:t>Click to edit Master title style</a:t>
             </a:r>
             <a:endParaRPr lang="en-US" dirty="0"/>
@@ -4305,35 +4309,35 @@
           <a:p>
             <a:pPr lvl="0"/>
             <a:r>
-              <a:rPr lang="en-US" smtClean="0"/>
+              <a:rPr lang="en-US"/>
               <a:t>Click to edit Master text styles</a:t>
             </a:r>
           </a:p>
           <a:p>
             <a:pPr lvl="1"/>
             <a:r>
-              <a:rPr lang="en-US" smtClean="0"/>
+              <a:rPr lang="en-US"/>
               <a:t>Second level</a:t>
             </a:r>
           </a:p>
           <a:p>
             <a:pPr lvl="2"/>
             <a:r>
-              <a:rPr lang="en-US" smtClean="0"/>
+              <a:rPr lang="en-US"/>
               <a:t>Third level</a:t>
             </a:r>
           </a:p>
           <a:p>
             <a:pPr lvl="3"/>
             <a:r>
-              <a:rPr lang="en-US" smtClean="0"/>
+              <a:rPr lang="en-US"/>
               <a:t>Fourth level</a:t>
             </a:r>
           </a:p>
           <a:p>
             <a:pPr lvl="4"/>
             <a:r>
-              <a:rPr lang="en-US" smtClean="0"/>
+              <a:rPr lang="en-US"/>
               <a:t>Fifth level</a:t>
             </a:r>
             <a:endParaRPr lang="en-US" dirty="0"/>
@@ -4367,7 +4371,7 @@
               <a:pPr>
                 <a:defRPr/>
               </a:pPr>
-              <a:t>10/20/2017</a:t>
+              <a:t>10/31/2017</a:t>
             </a:fld>
             <a:endParaRPr lang="en-US" dirty="0"/>
           </a:p>
@@ -4537,10 +4541,9 @@
           </a:lstStyle>
           <a:p>
             <a:r>
-              <a:rPr lang="en-US" dirty="0" smtClean="0"/>
+              <a:rPr lang="en-US" dirty="0"/>
               <a:t>Click to edit Master title style</a:t>
             </a:r>
-            <a:endParaRPr lang="en-US" dirty="0"/>
           </a:p>
         </p:txBody>
       </p:sp>
@@ -4568,38 +4571,37 @@
           <a:p>
             <a:pPr lvl="0"/>
             <a:r>
-              <a:rPr lang="en-US" dirty="0" smtClean="0"/>
+              <a:rPr lang="en-US" dirty="0"/>
               <a:t>Click to edit Master text styles</a:t>
             </a:r>
           </a:p>
           <a:p>
             <a:pPr lvl="1"/>
             <a:r>
-              <a:rPr lang="en-US" dirty="0" smtClean="0"/>
+              <a:rPr lang="en-US" dirty="0"/>
               <a:t>Second level</a:t>
             </a:r>
           </a:p>
           <a:p>
             <a:pPr lvl="2"/>
             <a:r>
-              <a:rPr lang="en-US" dirty="0" smtClean="0"/>
+              <a:rPr lang="en-US" dirty="0"/>
               <a:t>Third level</a:t>
             </a:r>
           </a:p>
           <a:p>
             <a:pPr lvl="3"/>
             <a:r>
-              <a:rPr lang="en-US" dirty="0" smtClean="0"/>
+              <a:rPr lang="en-US" dirty="0"/>
               <a:t>Fourth level</a:t>
             </a:r>
           </a:p>
           <a:p>
             <a:pPr lvl="4"/>
             <a:r>
-              <a:rPr lang="en-US" dirty="0" smtClean="0"/>
+              <a:rPr lang="en-US" dirty="0"/>
               <a:t>Fifth level</a:t>
             </a:r>
-            <a:endParaRPr lang="en-US" dirty="0"/>
           </a:p>
         </p:txBody>
       </p:sp>
@@ -4630,7 +4632,7 @@
               <a:pPr>
                 <a:defRPr/>
               </a:pPr>
-              <a:t>10/20/2017</a:t>
+              <a:t>10/31/2017</a:t>
             </a:fld>
             <a:endParaRPr lang="en-US" dirty="0"/>
           </a:p>
@@ -4779,7 +4781,7 @@
           </a:lstStyle>
           <a:p>
             <a:r>
-              <a:rPr lang="en-US" smtClean="0"/>
+              <a:rPr lang="en-US"/>
               <a:t>Click to edit Master title style</a:t>
             </a:r>
             <a:endParaRPr lang="en-US" dirty="0"/>
@@ -4875,7 +4877,7 @@
           </a:lstStyle>
           <a:p>
             <a:r>
-              <a:rPr lang="en-US" smtClean="0"/>
+              <a:rPr lang="en-US"/>
               <a:t>Click to edit Master subtitle style</a:t>
             </a:r>
             <a:endParaRPr lang="en-US" dirty="0"/>
@@ -4909,7 +4911,7 @@
               <a:pPr>
                 <a:defRPr/>
               </a:pPr>
-              <a:t>10/20/2017</a:t>
+              <a:t>10/31/2017</a:t>
             </a:fld>
             <a:endParaRPr lang="en-US" dirty="0"/>
           </a:p>
@@ -5015,7 +5017,7 @@
           <a:lstStyle/>
           <a:p>
             <a:r>
-              <a:rPr lang="en-US" smtClean="0"/>
+              <a:rPr lang="en-US"/>
               <a:t>Click to edit Master title style</a:t>
             </a:r>
             <a:endParaRPr lang="en-US" dirty="0"/>
@@ -5044,35 +5046,35 @@
           <a:p>
             <a:pPr lvl="0"/>
             <a:r>
-              <a:rPr lang="en-US" smtClean="0"/>
+              <a:rPr lang="en-US"/>
               <a:t>Click to edit Master text styles</a:t>
             </a:r>
           </a:p>
           <a:p>
             <a:pPr lvl="1"/>
             <a:r>
-              <a:rPr lang="en-US" smtClean="0"/>
+              <a:rPr lang="en-US"/>
               <a:t>Second level</a:t>
             </a:r>
           </a:p>
           <a:p>
             <a:pPr lvl="2"/>
             <a:r>
-              <a:rPr lang="en-US" smtClean="0"/>
+              <a:rPr lang="en-US"/>
               <a:t>Third level</a:t>
             </a:r>
           </a:p>
           <a:p>
             <a:pPr lvl="3"/>
             <a:r>
-              <a:rPr lang="en-US" smtClean="0"/>
+              <a:rPr lang="en-US"/>
               <a:t>Fourth level</a:t>
             </a:r>
           </a:p>
           <a:p>
             <a:pPr lvl="4"/>
             <a:r>
-              <a:rPr lang="en-US" smtClean="0"/>
+              <a:rPr lang="en-US"/>
               <a:t>Fifth level</a:t>
             </a:r>
             <a:endParaRPr lang="en-US" dirty="0"/>
@@ -5101,35 +5103,35 @@
           <a:p>
             <a:pPr lvl="0"/>
             <a:r>
-              <a:rPr lang="en-US" smtClean="0"/>
+              <a:rPr lang="en-US"/>
               <a:t>Click to edit Master text styles</a:t>
             </a:r>
           </a:p>
           <a:p>
             <a:pPr lvl="1"/>
             <a:r>
-              <a:rPr lang="en-US" smtClean="0"/>
+              <a:rPr lang="en-US"/>
               <a:t>Second level</a:t>
             </a:r>
           </a:p>
           <a:p>
             <a:pPr lvl="2"/>
             <a:r>
-              <a:rPr lang="en-US" smtClean="0"/>
+              <a:rPr lang="en-US"/>
               <a:t>Third level</a:t>
             </a:r>
           </a:p>
           <a:p>
             <a:pPr lvl="3"/>
             <a:r>
-              <a:rPr lang="en-US" smtClean="0"/>
+              <a:rPr lang="en-US"/>
               <a:t>Fourth level</a:t>
             </a:r>
           </a:p>
           <a:p>
             <a:pPr lvl="4"/>
             <a:r>
-              <a:rPr lang="en-US" smtClean="0"/>
+              <a:rPr lang="en-US"/>
               <a:t>Fifth level</a:t>
             </a:r>
             <a:endParaRPr lang="en-US" dirty="0"/>
@@ -5163,7 +5165,7 @@
               <a:pPr>
                 <a:defRPr/>
               </a:pPr>
-              <a:t>10/20/2017</a:t>
+              <a:t>10/31/2017</a:t>
             </a:fld>
             <a:endParaRPr lang="en-US" dirty="0"/>
           </a:p>
@@ -5274,7 +5276,7 @@
           <a:lstStyle/>
           <a:p>
             <a:r>
-              <a:rPr lang="en-US" smtClean="0"/>
+              <a:rPr lang="en-US"/>
               <a:t>Click to edit Master title style</a:t>
             </a:r>
             <a:endParaRPr lang="en-US" dirty="0"/>
@@ -5369,7 +5371,7 @@
           <a:p>
             <a:pPr lvl="0"/>
             <a:r>
-              <a:rPr lang="en-US" smtClean="0"/>
+              <a:rPr lang="en-US"/>
               <a:t>Click to edit Master text styles</a:t>
             </a:r>
           </a:p>
@@ -5397,35 +5399,35 @@
           <a:p>
             <a:pPr lvl="0"/>
             <a:r>
-              <a:rPr lang="en-US" smtClean="0"/>
+              <a:rPr lang="en-US"/>
               <a:t>Click to edit Master text styles</a:t>
             </a:r>
           </a:p>
           <a:p>
             <a:pPr lvl="1"/>
             <a:r>
-              <a:rPr lang="en-US" smtClean="0"/>
+              <a:rPr lang="en-US"/>
               <a:t>Second level</a:t>
             </a:r>
           </a:p>
           <a:p>
             <a:pPr lvl="2"/>
             <a:r>
-              <a:rPr lang="en-US" smtClean="0"/>
+              <a:rPr lang="en-US"/>
               <a:t>Third level</a:t>
             </a:r>
           </a:p>
           <a:p>
             <a:pPr lvl="3"/>
             <a:r>
-              <a:rPr lang="en-US" smtClean="0"/>
+              <a:rPr lang="en-US"/>
               <a:t>Fourth level</a:t>
             </a:r>
           </a:p>
           <a:p>
             <a:pPr lvl="4"/>
             <a:r>
-              <a:rPr lang="en-US" smtClean="0"/>
+              <a:rPr lang="en-US"/>
               <a:t>Fifth level</a:t>
             </a:r>
             <a:endParaRPr lang="en-US" dirty="0"/>
@@ -5488,7 +5490,7 @@
           <a:p>
             <a:pPr lvl="0"/>
             <a:r>
-              <a:rPr lang="en-US" smtClean="0"/>
+              <a:rPr lang="en-US"/>
               <a:t>Click to edit Master text styles</a:t>
             </a:r>
           </a:p>
@@ -5516,35 +5518,35 @@
           <a:p>
             <a:pPr lvl="0"/>
             <a:r>
-              <a:rPr lang="en-US" smtClean="0"/>
+              <a:rPr lang="en-US"/>
               <a:t>Click to edit Master text styles</a:t>
             </a:r>
           </a:p>
           <a:p>
             <a:pPr lvl="1"/>
             <a:r>
-              <a:rPr lang="en-US" smtClean="0"/>
+              <a:rPr lang="en-US"/>
               <a:t>Second level</a:t>
             </a:r>
           </a:p>
           <a:p>
             <a:pPr lvl="2"/>
             <a:r>
-              <a:rPr lang="en-US" smtClean="0"/>
+              <a:rPr lang="en-US"/>
               <a:t>Third level</a:t>
             </a:r>
           </a:p>
           <a:p>
             <a:pPr lvl="3"/>
             <a:r>
-              <a:rPr lang="en-US" smtClean="0"/>
+              <a:rPr lang="en-US"/>
               <a:t>Fourth level</a:t>
             </a:r>
           </a:p>
           <a:p>
             <a:pPr lvl="4"/>
             <a:r>
-              <a:rPr lang="en-US" smtClean="0"/>
+              <a:rPr lang="en-US"/>
               <a:t>Fifth level</a:t>
             </a:r>
             <a:endParaRPr lang="en-US" dirty="0"/>
@@ -5578,7 +5580,7 @@
               <a:pPr>
                 <a:defRPr/>
               </a:pPr>
-              <a:t>10/20/2017</a:t>
+              <a:t>10/31/2017</a:t>
             </a:fld>
             <a:endParaRPr lang="en-US" dirty="0"/>
           </a:p>
@@ -5684,7 +5686,7 @@
           <a:lstStyle/>
           <a:p>
             <a:r>
-              <a:rPr lang="en-US" smtClean="0"/>
+              <a:rPr lang="en-US"/>
               <a:t>Click to edit Master title style</a:t>
             </a:r>
             <a:endParaRPr lang="en-US" dirty="0"/>
@@ -5718,7 +5720,7 @@
               <a:pPr>
                 <a:defRPr/>
               </a:pPr>
-              <a:t>10/20/2017</a:t>
+              <a:t>10/31/2017</a:t>
             </a:fld>
             <a:endParaRPr lang="en-US" dirty="0"/>
           </a:p>
@@ -5835,7 +5837,7 @@
               <a:pPr>
                 <a:defRPr/>
               </a:pPr>
-              <a:t>10/20/2017</a:t>
+              <a:t>10/31/2017</a:t>
             </a:fld>
             <a:endParaRPr lang="en-US" dirty="0"/>
           </a:p>
@@ -5950,7 +5952,7 @@
           </a:lstStyle>
           <a:p>
             <a:r>
-              <a:rPr lang="en-US" smtClean="0"/>
+              <a:rPr lang="en-US"/>
               <a:t>Click to edit Master title style</a:t>
             </a:r>
             <a:endParaRPr lang="en-US" dirty="0"/>
@@ -5979,35 +5981,35 @@
           <a:p>
             <a:pPr lvl="0"/>
             <a:r>
-              <a:rPr lang="en-US" smtClean="0"/>
+              <a:rPr lang="en-US"/>
               <a:t>Click to edit Master text styles</a:t>
             </a:r>
           </a:p>
           <a:p>
             <a:pPr lvl="1"/>
             <a:r>
-              <a:rPr lang="en-US" smtClean="0"/>
+              <a:rPr lang="en-US"/>
               <a:t>Second level</a:t>
             </a:r>
           </a:p>
           <a:p>
             <a:pPr lvl="2"/>
             <a:r>
-              <a:rPr lang="en-US" smtClean="0"/>
+              <a:rPr lang="en-US"/>
               <a:t>Third level</a:t>
             </a:r>
           </a:p>
           <a:p>
             <a:pPr lvl="3"/>
             <a:r>
-              <a:rPr lang="en-US" smtClean="0"/>
+              <a:rPr lang="en-US"/>
               <a:t>Fourth level</a:t>
             </a:r>
           </a:p>
           <a:p>
             <a:pPr lvl="4"/>
             <a:r>
-              <a:rPr lang="en-US" smtClean="0"/>
+              <a:rPr lang="en-US"/>
               <a:t>Fifth level</a:t>
             </a:r>
             <a:endParaRPr lang="en-US" dirty="0"/>
@@ -6099,7 +6101,7 @@
           <a:p>
             <a:pPr lvl="0"/>
             <a:r>
-              <a:rPr lang="en-US" smtClean="0"/>
+              <a:rPr lang="en-US"/>
               <a:t>Click to edit Master text styles</a:t>
             </a:r>
           </a:p>
@@ -6132,7 +6134,7 @@
               <a:pPr>
                 <a:defRPr/>
               </a:pPr>
-              <a:t>10/20/2017</a:t>
+              <a:t>10/31/2017</a:t>
             </a:fld>
             <a:endParaRPr lang="en-US" dirty="0"/>
           </a:p>
@@ -6247,7 +6249,7 @@
           </a:lstStyle>
           <a:p>
             <a:r>
-              <a:rPr lang="en-US" smtClean="0"/>
+              <a:rPr lang="en-US"/>
               <a:t>Click to edit Master title style</a:t>
             </a:r>
             <a:endParaRPr lang="en-US" dirty="0"/>
@@ -6315,7 +6317,7 @@
           <a:p>
             <a:pPr lvl="0"/>
             <a:r>
-              <a:rPr lang="en-US" noProof="0" smtClean="0"/>
+              <a:rPr lang="en-US" noProof="0"/>
               <a:t>Click icon to add picture</a:t>
             </a:r>
             <a:endParaRPr lang="en-US" noProof="0" dirty="0"/>
@@ -6407,7 +6409,7 @@
           <a:p>
             <a:pPr lvl="0"/>
             <a:r>
-              <a:rPr lang="en-US" smtClean="0"/>
+              <a:rPr lang="en-US"/>
               <a:t>Click to edit Master text styles</a:t>
             </a:r>
           </a:p>
@@ -6440,7 +6442,7 @@
               <a:pPr>
                 <a:defRPr/>
               </a:pPr>
-              <a:t>10/20/2017</a:t>
+              <a:t>10/31/2017</a:t>
             </a:fld>
             <a:endParaRPr lang="en-US" dirty="0"/>
           </a:p>
@@ -6590,7 +6592,7 @@
           <a:p>
             <a:pPr lvl="0"/>
             <a:r>
-              <a:rPr lang="en-US" altLang="en-US" smtClean="0"/>
+              <a:rPr lang="en-US" altLang="en-US"/>
               <a:t>Click to edit Master title style</a:t>
             </a:r>
           </a:p>
@@ -6648,35 +6650,35 @@
           <a:p>
             <a:pPr lvl="0"/>
             <a:r>
-              <a:rPr lang="en-US" altLang="en-US" smtClean="0"/>
+              <a:rPr lang="en-US" altLang="en-US"/>
               <a:t>Click to edit Master text styles</a:t>
             </a:r>
           </a:p>
           <a:p>
             <a:pPr lvl="1"/>
             <a:r>
-              <a:rPr lang="en-US" altLang="en-US" smtClean="0"/>
+              <a:rPr lang="en-US" altLang="en-US"/>
               <a:t>Second level</a:t>
             </a:r>
           </a:p>
           <a:p>
             <a:pPr lvl="2"/>
             <a:r>
-              <a:rPr lang="en-US" altLang="en-US" smtClean="0"/>
+              <a:rPr lang="en-US" altLang="en-US"/>
               <a:t>Third level</a:t>
             </a:r>
           </a:p>
           <a:p>
             <a:pPr lvl="3"/>
             <a:r>
-              <a:rPr lang="en-US" altLang="en-US" smtClean="0"/>
+              <a:rPr lang="en-US" altLang="en-US"/>
               <a:t>Fourth level</a:t>
             </a:r>
           </a:p>
           <a:p>
             <a:pPr lvl="4"/>
             <a:r>
-              <a:rPr lang="en-US" altLang="en-US" smtClean="0"/>
+              <a:rPr lang="en-US" altLang="en-US"/>
               <a:t>Fifth level</a:t>
             </a:r>
           </a:p>
@@ -6749,7 +6751,7 @@
               <a:pPr>
                 <a:defRPr/>
               </a:pPr>
-              <a:t>10/20/2017</a:t>
+              <a:t>10/31/2017</a:t>
             </a:fld>
             <a:endParaRPr lang="en-US" dirty="0"/>
           </a:p>
@@ -7373,7 +7375,7 @@
                   <a:srgbClr val="27AFE5"/>
                 </a:solidFill>
               </a:rPr>
-              <a:t>Data-Limited Fisheries Toolkit </a:t>
+              <a:t>Data-Limited Methods Toolkit </a:t>
             </a:r>
           </a:p>
         </p:txBody>
@@ -7915,18 +7917,13 @@
               <a:buNone/>
             </a:pPr>
             <a:r>
-              <a:rPr lang="en-US" altLang="en-US" dirty="0" smtClean="0">
+              <a:rPr lang="en-US" altLang="en-US" dirty="0">
                 <a:solidFill>
                   <a:srgbClr val="FFC000"/>
                 </a:solidFill>
               </a:rPr>
               <a:t>Custom performance metrics</a:t>
             </a:r>
-            <a:endParaRPr lang="en-US" altLang="en-US" dirty="0">
-              <a:solidFill>
-                <a:srgbClr val="FFC000"/>
-              </a:solidFill>
-            </a:endParaRPr>
           </a:p>
         </p:txBody>
       </p:sp>
@@ -8144,34 +8141,10 @@
                   <a:srgbClr val="FFC000"/>
                 </a:solidFill>
               </a:rPr>
-              <a:t>Lecture </a:t>
-            </a:r>
-            <a:r>
-              <a:rPr lang="en-US" altLang="en-US" sz="1800" dirty="0" smtClean="0">
-                <a:solidFill>
-                  <a:srgbClr val="FFC000"/>
-                </a:solidFill>
-              </a:rPr>
-              <a:t>3b,  </a:t>
-            </a:r>
-            <a:r>
-              <a:rPr lang="en-US" altLang="en-US" sz="1800" dirty="0">
-                <a:solidFill>
-                  <a:srgbClr val="FFC000"/>
-                </a:solidFill>
-              </a:rPr>
-              <a:t>Nov </a:t>
-            </a:r>
-            <a:r>
-              <a:rPr lang="en-US" altLang="en-US" sz="1800" dirty="0" smtClean="0">
-                <a:solidFill>
-                  <a:srgbClr val="FFC000"/>
-                </a:solidFill>
-              </a:rPr>
-              <a:t>8</a:t>
-            </a:r>
-            <a:r>
-              <a:rPr lang="en-US" altLang="en-US" sz="1800" baseline="30000" dirty="0" smtClean="0">
+              <a:t>Lecture 3b,  Nov 8</a:t>
+            </a:r>
+            <a:r>
+              <a:rPr lang="en-US" altLang="en-US" sz="1800" baseline="30000" dirty="0">
                 <a:solidFill>
                   <a:srgbClr val="FFC000"/>
                 </a:solidFill>
@@ -8179,20 +8152,12 @@
               <a:t>th</a:t>
             </a:r>
             <a:r>
-              <a:rPr lang="en-US" altLang="en-US" sz="1800" dirty="0" smtClean="0">
+              <a:rPr lang="en-US" altLang="en-US" sz="1800" dirty="0">
                 <a:solidFill>
                   <a:srgbClr val="FFC000"/>
                 </a:solidFill>
               </a:rPr>
-              <a:t> </a:t>
-            </a:r>
-            <a:r>
-              <a:rPr lang="en-US" altLang="en-US" sz="1800" dirty="0">
-                <a:solidFill>
-                  <a:srgbClr val="FFC000"/>
-                </a:solidFill>
-              </a:rPr>
-              <a:t>2017</a:t>
+              <a:t> 2017</a:t>
             </a:r>
           </a:p>
         </p:txBody>
@@ -8453,7 +8418,7 @@
           <p:cNvPr id="4" name="Picture 3">
             <a:extLst>
               <a:ext uri="{FF2B5EF4-FFF2-40B4-BE49-F238E27FC236}">
-                <a16:creationId xmlns:a16="http://schemas.microsoft.com/office/drawing/2014/main" xmlns="" id="{C65DC03F-AEEF-4777-8132-3DBBB17CD723}"/>
+                <a16:creationId xmlns:a16="http://schemas.microsoft.com/office/drawing/2014/main" id="{C65DC03F-AEEF-4777-8132-3DBBB17CD723}"/>
               </a:ext>
             </a:extLst>
           </p:cNvPr>
@@ -8488,13 +8453,6 @@
   <p:clrMapOvr>
     <a:masterClrMapping/>
   </p:clrMapOvr>
-  <p:timing>
-    <p:tnLst>
-      <p:par>
-        <p:cTn id="1" dur="indefinite" restart="never" nodeType="tmRoot"/>
-      </p:par>
-    </p:tnLst>
-  </p:timing>
 </p:sld>
 </file>
 
@@ -8555,10 +8513,9 @@
           <a:lstStyle/>
           <a:p>
             <a:r>
-              <a:rPr lang="en-CA" dirty="0" smtClean="0"/>
+              <a:rPr lang="en-CA" dirty="0"/>
               <a:t>A custom trade-off plot</a:t>
             </a:r>
-            <a:endParaRPr lang="en-CA" dirty="0"/>
           </a:p>
         </p:txBody>
       </p:sp>
@@ -8596,13 +8553,6 @@
   <p:clrMapOvr>
     <a:masterClrMapping/>
   </p:clrMapOvr>
-  <p:timing>
-    <p:tnLst>
-      <p:par>
-        <p:cTn id="1" dur="indefinite" restart="never" nodeType="tmRoot"/>
-      </p:par>
-    </p:tnLst>
-  </p:timing>
 </p:sld>
 </file>
 
@@ -8644,10 +8594,9 @@
           <a:lstStyle/>
           <a:p>
             <a:r>
-              <a:rPr lang="en-CA" dirty="0" smtClean="0"/>
+              <a:rPr lang="en-CA" dirty="0"/>
               <a:t>Getting help with MSE objects</a:t>
             </a:r>
-            <a:endParaRPr lang="en-CA" dirty="0"/>
           </a:p>
         </p:txBody>
       </p:sp>
@@ -8681,7 +8630,7 @@
               <a:buNone/>
             </a:pPr>
             <a:r>
-              <a:rPr lang="en-CA" dirty="0" smtClean="0">
+              <a:rPr lang="en-CA" dirty="0">
                 <a:solidFill>
                   <a:srgbClr val="0070C0"/>
                 </a:solidFill>
@@ -8689,7 +8638,7 @@
               <a:t>Cheat sheets for objects:    </a:t>
             </a:r>
             <a:r>
-              <a:rPr lang="en-CA" dirty="0" smtClean="0">
+              <a:rPr lang="en-CA" dirty="0">
                 <a:solidFill>
                   <a:srgbClr val="27AFE5"/>
                 </a:solidFill>
@@ -8708,7 +8657,7 @@
               <a:buNone/>
             </a:pPr>
             <a:r>
-              <a:rPr lang="en-CA" dirty="0" smtClean="0">
+              <a:rPr lang="en-CA" dirty="0">
                 <a:solidFill>
                   <a:srgbClr val="0070C0"/>
                 </a:solidFill>
@@ -8716,28 +8665,12 @@
               <a:t>User manual:                            </a:t>
             </a:r>
             <a:r>
-              <a:rPr lang="en-CA" dirty="0" smtClean="0">
+              <a:rPr lang="en-CA" dirty="0">
                 <a:solidFill>
                   <a:srgbClr val="27AFE5"/>
                 </a:solidFill>
               </a:rPr>
-              <a:t>/Help/DLMtool </a:t>
-            </a:r>
-            <a:r>
-              <a:rPr lang="en-CA" dirty="0" smtClean="0">
-                <a:solidFill>
-                  <a:srgbClr val="27AFE5"/>
-                </a:solidFill>
-              </a:rPr>
-              <a:t>5 </a:t>
-            </a:r>
-            <a:r>
-              <a:rPr lang="en-CA" dirty="0" smtClean="0">
-                <a:solidFill>
-                  <a:srgbClr val="27AFE5"/>
-                </a:solidFill>
-              </a:rPr>
-              <a:t>User Guide.pdf</a:t>
+              <a:t>/Help/DLMtool 5 User Guide.pdf</a:t>
             </a:r>
           </a:p>
           <a:p>
@@ -8751,7 +8684,7 @@
               <a:buNone/>
             </a:pPr>
             <a:r>
-              <a:rPr lang="en-CA" dirty="0" smtClean="0">
+              <a:rPr lang="en-CA" dirty="0">
                 <a:solidFill>
                   <a:srgbClr val="0070C0"/>
                 </a:solidFill>
@@ -8759,7 +8692,7 @@
               <a:t>R package help: </a:t>
             </a:r>
             <a:r>
-              <a:rPr lang="en-CA" dirty="0" smtClean="0">
+              <a:rPr lang="en-CA" dirty="0">
                 <a:solidFill>
                   <a:srgbClr val="27AFE5"/>
                 </a:solidFill>
@@ -8767,14 +8700,14 @@
               <a:t>			</a:t>
             </a:r>
             <a:r>
-              <a:rPr lang="en-CA" dirty="0" err="1" smtClean="0">
+              <a:rPr lang="en-CA" dirty="0" err="1">
                 <a:solidFill>
                   <a:srgbClr val="00B050"/>
                 </a:solidFill>
               </a:rPr>
               <a:t>class?MSE</a:t>
             </a:r>
-            <a:endParaRPr lang="en-CA" dirty="0" smtClean="0">
+            <a:endParaRPr lang="en-CA" dirty="0">
               <a:solidFill>
                 <a:srgbClr val="00B050"/>
               </a:solidFill>
@@ -8788,7 +8721,7 @@
               <a:buNone/>
             </a:pPr>
             <a:r>
-              <a:rPr lang="en-CA" dirty="0" smtClean="0">
+              <a:rPr lang="en-CA" dirty="0">
                 <a:solidFill>
                   <a:srgbClr val="00B050"/>
                 </a:solidFill>
@@ -8804,7 +8737,7 @@
               <a:buNone/>
             </a:pPr>
             <a:r>
-              <a:rPr lang="en-CA" dirty="0" smtClean="0">
+              <a:rPr lang="en-CA" dirty="0">
                 <a:solidFill>
                   <a:srgbClr val="0070C0"/>
                 </a:solidFill>
@@ -8812,26 +8745,18 @@
               <a:t>Online help</a:t>
             </a:r>
             <a:r>
-              <a:rPr lang="en-CA" dirty="0" smtClean="0"/>
+              <a:rPr lang="en-CA" dirty="0"/>
               <a:t>:</a:t>
             </a:r>
             <a:r>
-              <a:rPr lang="en-CA" dirty="0" smtClean="0">
+              <a:rPr lang="en-CA" dirty="0">
                 <a:solidFill>
                   <a:srgbClr val="27AFE5"/>
                 </a:solidFill>
               </a:rPr>
-              <a:t>   https</a:t>
-            </a:r>
-            <a:r>
-              <a:rPr lang="en-CA" dirty="0">
-                <a:solidFill>
-                  <a:srgbClr val="27AFE5"/>
-                </a:solidFill>
-              </a:rPr>
-              <a:t>://dlmtool.github.io/DLMtool/index.html</a:t>
-            </a:r>
-            <a:endParaRPr lang="en-CA" dirty="0" smtClean="0">
+              <a:t>   https://dlmtool.github.io/DLMtool/index.html</a:t>
+            </a:r>
+            <a:endParaRPr lang="en-CA" dirty="0">
               <a:solidFill>
                 <a:srgbClr val="00B050"/>
               </a:solidFill>
@@ -8874,13 +8799,6 @@
   <p:clrMapOvr>
     <a:masterClrMapping/>
   </p:clrMapOvr>
-  <p:timing>
-    <p:tnLst>
-      <p:par>
-        <p:cTn id="1" dur="indefinite" restart="never" nodeType="tmRoot"/>
-      </p:par>
-    </p:tnLst>
-  </p:timing>
 </p:sld>
 </file>
 
@@ -8922,10 +8840,9 @@
           <a:lstStyle/>
           <a:p>
             <a:r>
-              <a:rPr lang="en-CA" dirty="0" smtClean="0"/>
+              <a:rPr lang="en-CA" dirty="0"/>
               <a:t>Think about</a:t>
             </a:r>
-            <a:endParaRPr lang="en-CA" dirty="0"/>
           </a:p>
         </p:txBody>
       </p:sp>
@@ -8950,16 +8867,15 @@
           <a:lstStyle/>
           <a:p>
             <a:r>
-              <a:rPr lang="en-CA" dirty="0" smtClean="0"/>
+              <a:rPr lang="en-CA" dirty="0"/>
               <a:t>Performance metrics in your system</a:t>
             </a:r>
           </a:p>
           <a:p>
             <a:r>
-              <a:rPr lang="en-CA" dirty="0" smtClean="0"/>
+              <a:rPr lang="en-CA" dirty="0"/>
               <a:t>Types of output data you would like to have access to</a:t>
             </a:r>
-            <a:endParaRPr lang="en-CA" dirty="0"/>
           </a:p>
         </p:txBody>
       </p:sp>
@@ -8973,13 +8889,6 @@
   <p:clrMapOvr>
     <a:masterClrMapping/>
   </p:clrMapOvr>
-  <p:timing>
-    <p:tnLst>
-      <p:par>
-        <p:cTn id="1" dur="indefinite" restart="never" nodeType="tmRoot"/>
-      </p:par>
-    </p:tnLst>
-  </p:timing>
 </p:sld>
 </file>
 
@@ -9022,7 +8931,7 @@
           <a:p>
             <a:pPr eaLnBrk="1" hangingPunct="1"/>
             <a:r>
-              <a:rPr lang="en-CA" altLang="en-US" dirty="0" smtClean="0">
+              <a:rPr lang="en-CA" altLang="en-US" dirty="0">
                 <a:solidFill>
                   <a:srgbClr val="F6BB00"/>
                 </a:solidFill>
@@ -9060,7 +8969,7 @@
               <a:buAutoNum type="arabicPeriod"/>
             </a:pPr>
             <a:r>
-              <a:rPr lang="en-CA" altLang="en-US" sz="2800" dirty="0" smtClean="0">
+              <a:rPr lang="en-CA" altLang="en-US" sz="2800" dirty="0">
                 <a:solidFill>
                   <a:srgbClr val="27AFE5"/>
                 </a:solidFill>
@@ -9077,7 +8986,7 @@
               <a:buAutoNum type="arabicPeriod"/>
             </a:pPr>
             <a:r>
-              <a:rPr lang="en-CA" altLang="en-US" sz="2800" dirty="0" smtClean="0">
+              <a:rPr lang="en-CA" altLang="en-US" sz="2800" dirty="0">
                 <a:solidFill>
                   <a:srgbClr val="27AFE5"/>
                 </a:solidFill>
@@ -9094,7 +9003,7 @@
               <a:buAutoNum type="arabicPeriod"/>
             </a:pPr>
             <a:r>
-              <a:rPr lang="en-CA" altLang="en-US" sz="2800" dirty="0" smtClean="0">
+              <a:rPr lang="en-CA" altLang="en-US" sz="2800" dirty="0">
                 <a:solidFill>
                   <a:srgbClr val="27AFE5"/>
                 </a:solidFill>
@@ -9109,7 +9018,7 @@
               </a:spcBef>
               <a:buNone/>
             </a:pPr>
-            <a:endParaRPr lang="en-CA" altLang="en-US" sz="2800" dirty="0" smtClean="0">
+            <a:endParaRPr lang="en-CA" altLang="en-US" sz="2800" dirty="0">
               <a:solidFill>
                 <a:srgbClr val="27AFE5"/>
               </a:solidFill>
@@ -9122,13 +9031,6 @@
   <p:clrMapOvr>
     <a:masterClrMapping/>
   </p:clrMapOvr>
-  <p:timing>
-    <p:tnLst>
-      <p:par>
-        <p:cTn id="1" dur="indefinite" restart="never" nodeType="tmRoot"/>
-      </p:par>
-    </p:tnLst>
-  </p:timing>
 </p:sld>
 </file>
 
@@ -9198,7 +9100,7 @@
               <a:buNone/>
             </a:pPr>
             <a:r>
-              <a:rPr lang="en-CA" altLang="en-US" sz="2800" dirty="0" smtClean="0">
+              <a:rPr lang="en-CA" altLang="en-US" sz="2800" dirty="0">
                 <a:solidFill>
                   <a:srgbClr val="27AFE5"/>
                 </a:solidFill>
@@ -9211,7 +9113,7 @@
               <a:buFont typeface="Arial" panose="020B0604020202020204" pitchFamily="34" charset="0"/>
               <a:buNone/>
             </a:pPr>
-            <a:endParaRPr lang="en-CA" altLang="en-US" dirty="0" smtClean="0"/>
+            <a:endParaRPr lang="en-CA" altLang="en-US" dirty="0"/>
           </a:p>
         </p:txBody>
       </p:sp>
@@ -9238,7 +9140,7 @@
           <a:lstStyle/>
           <a:p>
             <a:r>
-              <a:rPr lang="en-CA" sz="2200" dirty="0" smtClean="0">
+              <a:rPr lang="en-CA" sz="2200" dirty="0">
                 <a:solidFill>
                   <a:srgbClr val="0070C0"/>
                 </a:solidFill>
@@ -9246,7 +9148,7 @@
               <a:t>Similarly to Stock, Fleet, </a:t>
             </a:r>
             <a:r>
-              <a:rPr lang="en-CA" sz="2200" dirty="0" err="1" smtClean="0">
+              <a:rPr lang="en-CA" sz="2200" dirty="0" err="1">
                 <a:solidFill>
                   <a:srgbClr val="0070C0"/>
                 </a:solidFill>
@@ -9259,19 +9161,11 @@
                   <a:srgbClr val="0070C0"/>
                 </a:solidFill>
               </a:rPr>
-              <a:t> </a:t>
-            </a:r>
-            <a:r>
-              <a:rPr lang="en-CA" sz="2200" dirty="0" smtClean="0">
-                <a:solidFill>
-                  <a:srgbClr val="0070C0"/>
-                </a:solidFill>
-              </a:rPr>
-              <a:t>and Imp objects, the MSE object has number of slots:</a:t>
-            </a:r>
-          </a:p>
-          <a:p>
-            <a:endParaRPr lang="en-CA" sz="2200" dirty="0" smtClean="0">
+              <a:t> and Imp objects, the MSE object has number of slots:</a:t>
+            </a:r>
+          </a:p>
+          <a:p>
+            <a:endParaRPr lang="en-CA" sz="2200" dirty="0">
               <a:solidFill>
                 <a:srgbClr val="0070C0"/>
               </a:solidFill>
@@ -9439,10 +9333,9 @@
           <a:lstStyle/>
           <a:p>
             <a:r>
-              <a:rPr lang="en-CA" dirty="0" smtClean="0"/>
+              <a:rPr lang="en-CA" dirty="0"/>
               <a:t>The ‘OM’ slot </a:t>
             </a:r>
-            <a:endParaRPr lang="en-CA" dirty="0"/>
           </a:p>
         </p:txBody>
       </p:sp>
@@ -9467,34 +9360,28 @@
           <a:lstStyle/>
           <a:p>
             <a:r>
-              <a:rPr lang="en-CA" dirty="0" smtClean="0"/>
+              <a:rPr lang="en-CA" dirty="0"/>
               <a:t>The OM slot of an MSE object (e.g. </a:t>
             </a:r>
             <a:r>
-              <a:rPr lang="en-CA" dirty="0" err="1" smtClean="0"/>
+              <a:rPr lang="en-CA" dirty="0" err="1"/>
               <a:t>myMSE@OM</a:t>
             </a:r>
             <a:r>
-              <a:rPr lang="en-CA" dirty="0" smtClean="0"/>
+              <a:rPr lang="en-CA" dirty="0"/>
               <a:t>) contains all the simulated parameter values for the operating model (e.g. natural mortality rate, depletion, MSY, FMSY </a:t>
             </a:r>
             <a:r>
-              <a:rPr lang="en-CA" dirty="0" err="1" smtClean="0"/>
+              <a:rPr lang="en-CA" dirty="0" err="1"/>
               <a:t>etc</a:t>
             </a:r>
             <a:r>
-              <a:rPr lang="en-CA" dirty="0" smtClean="0"/>
+              <a:rPr lang="en-CA" dirty="0"/>
               <a:t>).</a:t>
             </a:r>
           </a:p>
           <a:p>
             <a:endParaRPr lang="en-CA" dirty="0"/>
-          </a:p>
-          <a:p>
-            <a:pPr marL="0" indent="0">
-              <a:buNone/>
-            </a:pPr>
-            <a:endParaRPr lang="en-CA" dirty="0" smtClean="0"/>
           </a:p>
           <a:p>
             <a:pPr marL="0" indent="0">
@@ -9506,13 +9393,19 @@
             <a:pPr marL="0" indent="0">
               <a:buNone/>
             </a:pPr>
-            <a:endParaRPr lang="en-CA" dirty="0" smtClean="0"/>
+            <a:endParaRPr lang="en-CA" dirty="0"/>
           </a:p>
           <a:p>
             <a:pPr marL="0" indent="0">
               <a:buNone/>
             </a:pPr>
-            <a:endParaRPr lang="en-CA" dirty="0" smtClean="0"/>
+            <a:endParaRPr lang="en-CA" dirty="0"/>
+          </a:p>
+          <a:p>
+            <a:pPr marL="0" indent="0">
+              <a:buNone/>
+            </a:pPr>
+            <a:endParaRPr lang="en-CA" dirty="0"/>
           </a:p>
           <a:p>
             <a:pPr marL="0" indent="0">
@@ -9556,13 +9449,6 @@
   <p:clrMapOvr>
     <a:masterClrMapping/>
   </p:clrMapOvr>
-  <p:timing>
-    <p:tnLst>
-      <p:par>
-        <p:cTn id="1" dur="indefinite" restart="never" nodeType="tmRoot"/>
-      </p:par>
-    </p:tnLst>
-  </p:timing>
 </p:sld>
 </file>
 
@@ -9599,10 +9485,9 @@
           <a:lstStyle/>
           <a:p>
             <a:r>
-              <a:rPr lang="en-CA" dirty="0" smtClean="0"/>
+              <a:rPr lang="en-CA" dirty="0"/>
               <a:t>The ‘OM’ slot </a:t>
             </a:r>
-            <a:endParaRPr lang="en-CA" dirty="0"/>
           </a:p>
         </p:txBody>
       </p:sp>
@@ -9627,7 +9512,7 @@
           <a:lstStyle/>
           <a:p>
             <a:r>
-              <a:rPr lang="en-CA" dirty="0" smtClean="0"/>
+              <a:rPr lang="en-CA" dirty="0"/>
               <a:t>The OM slot is a table with n parameter columns and a row for each simulation:</a:t>
             </a:r>
           </a:p>
@@ -9635,7 +9520,7 @@
             <a:pPr marL="0" indent="0">
               <a:buNone/>
             </a:pPr>
-            <a:endParaRPr lang="en-CA" dirty="0" smtClean="0"/>
+            <a:endParaRPr lang="en-CA" dirty="0"/>
           </a:p>
           <a:p>
             <a:pPr marL="0" indent="0">
@@ -9679,13 +9564,6 @@
   <p:clrMapOvr>
     <a:masterClrMapping/>
   </p:clrMapOvr>
-  <p:timing>
-    <p:tnLst>
-      <p:par>
-        <p:cTn id="1" dur="indefinite" restart="never" nodeType="tmRoot"/>
-      </p:par>
-    </p:tnLst>
-  </p:timing>
 </p:sld>
 </file>
 
@@ -9722,18 +9600,17 @@
           <a:lstStyle/>
           <a:p>
             <a:r>
-              <a:rPr lang="en-CA" dirty="0" smtClean="0"/>
+              <a:rPr lang="en-CA" dirty="0"/>
               <a:t>The ‘</a:t>
             </a:r>
             <a:r>
-              <a:rPr lang="en-CA" dirty="0" err="1" smtClean="0"/>
+              <a:rPr lang="en-CA" dirty="0" err="1"/>
               <a:t>Obs</a:t>
             </a:r>
             <a:r>
-              <a:rPr lang="en-CA" dirty="0" smtClean="0"/>
+              <a:rPr lang="en-CA" dirty="0"/>
               <a:t>’ slot </a:t>
             </a:r>
-            <a:endParaRPr lang="en-CA" dirty="0"/>
           </a:p>
         </p:txBody>
       </p:sp>
@@ -9758,40 +9635,33 @@
           <a:lstStyle/>
           <a:p>
             <a:r>
-              <a:rPr lang="en-CA" dirty="0" smtClean="0"/>
+              <a:rPr lang="en-CA" dirty="0"/>
               <a:t>The </a:t>
             </a:r>
             <a:r>
-              <a:rPr lang="en-CA" dirty="0" err="1" smtClean="0"/>
+              <a:rPr lang="en-CA" dirty="0" err="1"/>
               <a:t>Obs</a:t>
             </a:r>
             <a:r>
-              <a:rPr lang="en-CA" dirty="0" smtClean="0"/>
+              <a:rPr lang="en-CA" dirty="0"/>
               <a:t> slot of an MSE object (e.g. </a:t>
             </a:r>
             <a:r>
-              <a:rPr lang="en-CA" dirty="0" err="1" smtClean="0"/>
+              <a:rPr lang="en-CA" dirty="0" err="1"/>
               <a:t>myMSE@Obs</a:t>
             </a:r>
             <a:r>
-              <a:rPr lang="en-CA" dirty="0" smtClean="0"/>
+              <a:rPr lang="en-CA" dirty="0"/>
               <a:t>) is very similar to the OM slot and is a table containing all of the simulated observation model values (e.g. bias in catches, imprecision in catches </a:t>
             </a:r>
             <a:r>
-              <a:rPr lang="en-CA" dirty="0" err="1" smtClean="0"/>
+              <a:rPr lang="en-CA" dirty="0" err="1"/>
               <a:t>etc</a:t>
             </a:r>
             <a:r>
-              <a:rPr lang="en-CA" dirty="0" smtClean="0"/>
+              <a:rPr lang="en-CA" dirty="0"/>
               <a:t>)</a:t>
             </a:r>
-            <a:endParaRPr lang="en-CA" dirty="0"/>
-          </a:p>
-          <a:p>
-            <a:pPr marL="0" indent="0">
-              <a:buNone/>
-            </a:pPr>
-            <a:endParaRPr lang="en-CA" dirty="0" smtClean="0"/>
           </a:p>
           <a:p>
             <a:pPr marL="0" indent="0">
@@ -9803,13 +9673,19 @@
             <a:pPr marL="0" indent="0">
               <a:buNone/>
             </a:pPr>
-            <a:endParaRPr lang="en-CA" dirty="0" smtClean="0"/>
+            <a:endParaRPr lang="en-CA" dirty="0"/>
           </a:p>
           <a:p>
             <a:pPr marL="0" indent="0">
               <a:buNone/>
             </a:pPr>
-            <a:endParaRPr lang="en-CA" dirty="0" smtClean="0"/>
+            <a:endParaRPr lang="en-CA" dirty="0"/>
+          </a:p>
+          <a:p>
+            <a:pPr marL="0" indent="0">
+              <a:buNone/>
+            </a:pPr>
+            <a:endParaRPr lang="en-CA" dirty="0"/>
           </a:p>
           <a:p>
             <a:pPr marL="0" indent="0">
@@ -9853,13 +9729,6 @@
   <p:clrMapOvr>
     <a:masterClrMapping/>
   </p:clrMapOvr>
-  <p:timing>
-    <p:tnLst>
-      <p:par>
-        <p:cTn id="1" dur="indefinite" restart="never" nodeType="tmRoot"/>
-      </p:par>
-    </p:tnLst>
-  </p:timing>
 </p:sld>
 </file>
 
@@ -9896,18 +9765,17 @@
           <a:lstStyle/>
           <a:p>
             <a:r>
-              <a:rPr lang="en-CA" dirty="0" smtClean="0"/>
+              <a:rPr lang="en-CA" dirty="0"/>
               <a:t>The ‘</a:t>
             </a:r>
             <a:r>
-              <a:rPr lang="en-CA" dirty="0" err="1" smtClean="0"/>
+              <a:rPr lang="en-CA" dirty="0" err="1"/>
               <a:t>Obs</a:t>
             </a:r>
             <a:r>
-              <a:rPr lang="en-CA" dirty="0" smtClean="0"/>
+              <a:rPr lang="en-CA" dirty="0"/>
               <a:t>’ slot </a:t>
             </a:r>
-            <a:endParaRPr lang="en-CA" dirty="0"/>
           </a:p>
         </p:txBody>
       </p:sp>
@@ -9932,15 +9800,15 @@
           <a:lstStyle/>
           <a:p>
             <a:r>
-              <a:rPr lang="en-CA" dirty="0" smtClean="0"/>
+              <a:rPr lang="en-CA" dirty="0"/>
               <a:t>Just like the OM slot, the </a:t>
             </a:r>
             <a:r>
-              <a:rPr lang="en-CA" dirty="0" err="1" smtClean="0"/>
+              <a:rPr lang="en-CA" dirty="0" err="1"/>
               <a:t>Obs</a:t>
             </a:r>
             <a:r>
-              <a:rPr lang="en-CA" dirty="0" smtClean="0"/>
+              <a:rPr lang="en-CA" dirty="0"/>
               <a:t> slot is a table with n parameter columns and a row for each simulation:</a:t>
             </a:r>
           </a:p>
@@ -9948,7 +9816,7 @@
             <a:pPr marL="0" indent="0">
               <a:buNone/>
             </a:pPr>
-            <a:endParaRPr lang="en-CA" dirty="0" smtClean="0"/>
+            <a:endParaRPr lang="en-CA" dirty="0"/>
           </a:p>
           <a:p>
             <a:pPr marL="0" indent="0">
@@ -9992,13 +9860,6 @@
   <p:clrMapOvr>
     <a:masterClrMapping/>
   </p:clrMapOvr>
-  <p:timing>
-    <p:tnLst>
-      <p:par>
-        <p:cTn id="1" dur="indefinite" restart="never" nodeType="tmRoot"/>
-      </p:par>
-    </p:tnLst>
-  </p:timing>
 </p:sld>
 </file>
 
@@ -10040,10 +9901,9 @@
           <a:lstStyle/>
           <a:p>
             <a:r>
-              <a:rPr lang="en-CA" dirty="0" smtClean="0"/>
+              <a:rPr lang="en-CA" dirty="0"/>
               <a:t>Other handy MSE slots</a:t>
             </a:r>
-            <a:endParaRPr lang="en-CA" dirty="0"/>
           </a:p>
         </p:txBody>
       </p:sp>
@@ -10071,25 +9931,16 @@
               <a:buNone/>
             </a:pPr>
             <a:r>
-              <a:rPr lang="en-CA" dirty="0" smtClean="0"/>
-              <a:t>@</a:t>
-            </a:r>
-            <a:r>
               <a:rPr lang="en-CA" dirty="0"/>
-              <a:t>SSB                  Spawning </a:t>
-            </a:r>
-            <a:r>
-              <a:rPr lang="en-CA" dirty="0" smtClean="0"/>
-              <a:t>biomass</a:t>
-            </a:r>
-            <a:endParaRPr lang="en-CA" dirty="0"/>
+              <a:t>@SSB                  Spawning biomass</a:t>
+            </a:r>
           </a:p>
           <a:p>
             <a:pPr marL="0" indent="0">
               <a:buNone/>
             </a:pPr>
             <a:r>
-              <a:rPr lang="en-CA" dirty="0" smtClean="0"/>
+              <a:rPr lang="en-CA" dirty="0"/>
               <a:t>@B_BMSY        Spawning biomass relative to BMSY</a:t>
             </a:r>
           </a:p>
@@ -10099,15 +9950,16 @@
             </a:pPr>
             <a:r>
               <a:rPr lang="en-CA" dirty="0"/>
-              <a:t>@F_FMSY	</a:t>
-            </a:r>
-            <a:r>
-              <a:rPr lang="en-CA" dirty="0" smtClean="0"/>
-              <a:t>         The </a:t>
-            </a:r>
+              <a:t>@F_FMSY	         The rate of fishing relative to FMSY</a:t>
+            </a:r>
+          </a:p>
+          <a:p>
+            <a:pPr marL="0" indent="0">
+              <a:buNone/>
+            </a:pPr>
             <a:r>
               <a:rPr lang="en-CA" dirty="0"/>
-              <a:t>rate of fishing relative to FMSY</a:t>
+              <a:t>@TAC                  The TAC recommendation</a:t>
             </a:r>
           </a:p>
           <a:p>
@@ -10115,16 +9967,7 @@
               <a:buNone/>
             </a:pPr>
             <a:r>
-              <a:rPr lang="en-CA" dirty="0" smtClean="0"/>
-              <a:t>@TAC                  The TAC recommendation</a:t>
-            </a:r>
-          </a:p>
-          <a:p>
-            <a:pPr marL="0" indent="0">
-              <a:buNone/>
-            </a:pPr>
-            <a:r>
-              <a:rPr lang="en-CA" dirty="0" smtClean="0"/>
+              <a:rPr lang="en-CA" dirty="0"/>
               <a:t>@C                        The catches that were taken</a:t>
             </a:r>
           </a:p>
@@ -10139,23 +9982,15 @@
               <a:buNone/>
             </a:pPr>
             <a:r>
-              <a:rPr lang="en-CA" dirty="0" smtClean="0"/>
-              <a:t>All of these slots are arrays of data for each simulation, each </a:t>
-            </a:r>
-            <a:r>
-              <a:rPr lang="en-CA" dirty="0" smtClean="0"/>
-              <a:t>MP, </a:t>
-            </a:r>
-            <a:r>
-              <a:rPr lang="en-CA" dirty="0" smtClean="0"/>
-              <a:t>and every projected year. </a:t>
-            </a:r>
-            <a:r>
-              <a:rPr lang="en-CA" dirty="0" err="1" smtClean="0"/>
+              <a:rPr lang="en-CA" dirty="0"/>
+              <a:t>All of these slots are arrays of data for each simulation, each MP, and every projected year. </a:t>
+            </a:r>
+            <a:r>
+              <a:rPr lang="en-CA" dirty="0" err="1"/>
               <a:t>E.g</a:t>
             </a:r>
             <a:r>
-              <a:rPr lang="en-CA" dirty="0" smtClean="0"/>
+              <a:rPr lang="en-CA" dirty="0"/>
               <a:t>: </a:t>
             </a:r>
           </a:p>
@@ -10164,19 +9999,19 @@
               <a:buNone/>
             </a:pPr>
             <a:r>
-              <a:rPr lang="en-CA" dirty="0" smtClean="0"/>
+              <a:rPr lang="en-CA" dirty="0"/>
               <a:t>	</a:t>
             </a:r>
             <a:r>
-              <a:rPr lang="en-CA" dirty="0" err="1" smtClean="0"/>
+              <a:rPr lang="en-CA" dirty="0" err="1"/>
               <a:t>myMSE@SSB</a:t>
             </a:r>
             <a:r>
-              <a:rPr lang="en-CA" dirty="0" smtClean="0"/>
+              <a:rPr lang="en-CA" dirty="0"/>
               <a:t>[</a:t>
             </a:r>
             <a:r>
-              <a:rPr lang="en-CA" dirty="0" smtClean="0">
+              <a:rPr lang="en-CA" dirty="0">
                 <a:solidFill>
                   <a:srgbClr val="00B050"/>
                 </a:solidFill>
@@ -10184,11 +10019,11 @@
               <a:t>1</a:t>
             </a:r>
             <a:r>
-              <a:rPr lang="en-CA" dirty="0" smtClean="0"/>
+              <a:rPr lang="en-CA" dirty="0"/>
               <a:t>, </a:t>
             </a:r>
             <a:r>
-              <a:rPr lang="en-CA" dirty="0" smtClean="0">
+              <a:rPr lang="en-CA" dirty="0">
                 <a:solidFill>
                   <a:srgbClr val="FF0000"/>
                 </a:solidFill>
@@ -10196,11 +10031,11 @@
               <a:t>2</a:t>
             </a:r>
             <a:r>
-              <a:rPr lang="en-CA" dirty="0" smtClean="0"/>
+              <a:rPr lang="en-CA" dirty="0"/>
               <a:t>, </a:t>
             </a:r>
             <a:r>
-              <a:rPr lang="en-CA" dirty="0" smtClean="0">
+              <a:rPr lang="en-CA" dirty="0">
                 <a:solidFill>
                   <a:srgbClr val="FFC000"/>
                 </a:solidFill>
@@ -10208,7 +10043,7 @@
               <a:t>3</a:t>
             </a:r>
             <a:r>
-              <a:rPr lang="en-CA" dirty="0" smtClean="0"/>
+              <a:rPr lang="en-CA" dirty="0"/>
               <a:t>] </a:t>
             </a:r>
           </a:p>
@@ -10217,11 +10052,11 @@
               <a:buNone/>
             </a:pPr>
             <a:r>
-              <a:rPr lang="en-CA" dirty="0" smtClean="0"/>
+              <a:rPr lang="en-CA" dirty="0"/>
               <a:t>Is the spawning biomass for </a:t>
             </a:r>
             <a:r>
-              <a:rPr lang="en-CA" dirty="0" smtClean="0">
+              <a:rPr lang="en-CA" dirty="0">
                 <a:solidFill>
                   <a:srgbClr val="00B050"/>
                 </a:solidFill>
@@ -10229,11 +10064,11 @@
               <a:t>simulation 1</a:t>
             </a:r>
             <a:r>
-              <a:rPr lang="en-CA" dirty="0" smtClean="0"/>
+              <a:rPr lang="en-CA" dirty="0"/>
               <a:t>, </a:t>
             </a:r>
             <a:r>
-              <a:rPr lang="en-CA" dirty="0" smtClean="0">
+              <a:rPr lang="en-CA" dirty="0">
                 <a:solidFill>
                   <a:srgbClr val="FF0000"/>
                 </a:solidFill>
@@ -10241,11 +10076,11 @@
               <a:t>MP 2</a:t>
             </a:r>
             <a:r>
-              <a:rPr lang="en-CA" dirty="0" smtClean="0"/>
+              <a:rPr lang="en-CA" dirty="0"/>
               <a:t> and </a:t>
             </a:r>
             <a:r>
-              <a:rPr lang="en-CA" dirty="0" smtClean="0">
+              <a:rPr lang="en-CA" dirty="0">
                 <a:solidFill>
                   <a:srgbClr val="FFC000"/>
                 </a:solidFill>
@@ -10253,7 +10088,7 @@
               <a:t>year 3</a:t>
             </a:r>
             <a:r>
-              <a:rPr lang="en-CA" dirty="0" smtClean="0"/>
+              <a:rPr lang="en-CA" dirty="0"/>
               <a:t>. </a:t>
             </a:r>
           </a:p>
@@ -10261,14 +10096,14 @@
             <a:pPr marL="0" indent="0">
               <a:buNone/>
             </a:pPr>
-            <a:endParaRPr lang="en-CA" sz="1500" dirty="0" smtClean="0"/>
+            <a:endParaRPr lang="en-CA" sz="1500" dirty="0"/>
           </a:p>
           <a:p>
             <a:pPr marL="0" indent="0">
               <a:buNone/>
             </a:pPr>
             <a:r>
-              <a:rPr lang="en-CA" dirty="0" smtClean="0"/>
+              <a:rPr lang="en-CA" dirty="0"/>
               <a:t>Knowing how to access data in MSE objects means you can create your own performance metrics…</a:t>
             </a:r>
           </a:p>
@@ -10290,13 +10125,6 @@
   <p:clrMapOvr>
     <a:masterClrMapping/>
   </p:clrMapOvr>
-  <p:timing>
-    <p:tnLst>
-      <p:par>
-        <p:cTn id="1" dur="indefinite" restart="never" nodeType="tmRoot"/>
-      </p:par>
-    </p:tnLst>
-  </p:timing>
 </p:sld>
 </file>
 
@@ -10341,7 +10169,7 @@
               <a:buNone/>
             </a:pPr>
             <a:r>
-              <a:rPr lang="en-CA" dirty="0" smtClean="0"/>
+              <a:rPr lang="en-CA" dirty="0"/>
               <a:t>Mean SSB by MP:</a:t>
             </a:r>
           </a:p>
@@ -10349,7 +10177,7 @@
             <a:pPr marL="0" indent="0">
               <a:buNone/>
             </a:pPr>
-            <a:endParaRPr lang="en-CA" dirty="0" smtClean="0"/>
+            <a:endParaRPr lang="en-CA" dirty="0"/>
           </a:p>
         </p:txBody>
       </p:sp>
@@ -10608,16 +10436,8 @@
               <a:buNone/>
             </a:pPr>
             <a:r>
-              <a:rPr lang="en-CA" dirty="0" smtClean="0"/>
-              <a:t>Probability SSB is over 5% </a:t>
-            </a:r>
-            <a:r>
-              <a:rPr lang="en-CA" dirty="0" smtClean="0"/>
-              <a:t>SSBMSY</a:t>
-            </a:r>
-            <a:r>
-              <a:rPr lang="en-CA" dirty="0" smtClean="0"/>
-              <a:t>:</a:t>
+              <a:rPr lang="en-CA" dirty="0"/>
+              <a:t>Probability SSB is over 5% SSBMSY:</a:t>
             </a:r>
           </a:p>
           <a:p>
@@ -10625,7 +10445,7 @@
               <a:buFont typeface="Arial" panose="020B0604020202020204" pitchFamily="34" charset="0"/>
               <a:buNone/>
             </a:pPr>
-            <a:endParaRPr lang="en-CA" dirty="0" smtClean="0"/>
+            <a:endParaRPr lang="en-CA" dirty="0"/>
           </a:p>
         </p:txBody>
       </p:sp>
@@ -10908,7 +10728,7 @@
               <a:buNone/>
             </a:pPr>
             <a:r>
-              <a:rPr lang="en-CA" dirty="0" smtClean="0"/>
+              <a:rPr lang="en-CA" dirty="0"/>
               <a:t>Mean catch relative to MSY</a:t>
             </a:r>
           </a:p>
@@ -10917,7 +10737,7 @@
               <a:buFont typeface="Arial" panose="020B0604020202020204" pitchFamily="34" charset="0"/>
               <a:buNone/>
             </a:pPr>
-            <a:endParaRPr lang="en-CA" dirty="0" smtClean="0"/>
+            <a:endParaRPr lang="en-CA" dirty="0"/>
           </a:p>
         </p:txBody>
       </p:sp>
@@ -10931,13 +10751,6 @@
   <p:clrMapOvr>
     <a:masterClrMapping/>
   </p:clrMapOvr>
-  <p:timing>
-    <p:tnLst>
-      <p:par>
-        <p:cTn id="1" dur="indefinite" restart="never" nodeType="tmRoot"/>
-      </p:par>
-    </p:tnLst>
-  </p:timing>
 </p:sld>
 </file>
 
